--- a/Final_Presentation_ak.pptx
+++ b/Final_Presentation_ak.pptx
@@ -5003,7 +5003,7 @@
         </p:blipFill>
         <p:spPr>
           <a:xfrm>
-            <a:off x="1143000" y="4009012"/>
+            <a:off x="1219200" y="3377347"/>
             <a:ext cx="7643812" cy="475039"/>
           </a:xfrm>
         </p:spPr>
@@ -5036,7 +5036,7 @@
         </p:blipFill>
         <p:spPr>
           <a:xfrm>
-            <a:off x="2792095" y="2632964"/>
+            <a:off x="2834767" y="2230915"/>
             <a:ext cx="5638800" cy="774700"/>
           </a:xfrm>
           <a:prstGeom prst="rect">
@@ -5135,6 +5135,42 @@
           <a:xfrm>
             <a:off x="544243" y="0"/>
             <a:ext cx="2727863" cy="6858000"/>
+          </a:xfrm>
+          <a:prstGeom prst="rect">
+            <a:avLst/>
+          </a:prstGeom>
+        </p:spPr>
+      </p:pic>
+      <p:pic>
+        <p:nvPicPr>
+          <p:cNvPr id="16" name="Picture 15" descr="A picture containing graphical user interface&#10;&#10;Description automatically generated">
+            <a:extLst>
+              <a:ext uri="{FF2B5EF4-FFF2-40B4-BE49-F238E27FC236}">
+                <a16:creationId xmlns:a16="http://schemas.microsoft.com/office/drawing/2014/main" id="{33B3A9B7-F8D9-614F-ABBF-251F0324340F}"/>
+              </a:ext>
+            </a:extLst>
+          </p:cNvPr>
+          <p:cNvPicPr>
+            <a:picLocks noChangeAspect="1"/>
+          </p:cNvPicPr>
+          <p:nvPr/>
+        </p:nvPicPr>
+        <p:blipFill>
+          <a:blip r:embed="rId6">
+            <a:extLst>
+              <a:ext uri="{28A0092B-C50C-407E-A947-70E740481C1C}">
+                <a14:useLocalDpi xmlns:a14="http://schemas.microsoft.com/office/drawing/2010/main" val="0"/>
+              </a:ext>
+            </a:extLst>
+          </a:blip>
+          <a:stretch>
+            <a:fillRect/>
+          </a:stretch>
+        </p:blipFill>
+        <p:spPr>
+          <a:xfrm>
+            <a:off x="612775" y="4318000"/>
+            <a:ext cx="9144000" cy="2840674"/>
           </a:xfrm>
           <a:prstGeom prst="rect">
             <a:avLst/>
